--- a/Fall_2021/lecture_23-Verification_Part_1/Verification and Validation_ Overview.pptx
+++ b/Fall_2021/lecture_23-Verification_Part_1/Verification and Validation_ Overview.pptx
@@ -38377,7 +38377,7 @@
         <p:spPr>
           <a:xfrm>
             <a:off x="6217920" y="1422130"/>
-            <a:ext cx="629211" cy="369332"/>
+            <a:ext cx="943280" cy="369332"/>
           </a:xfrm>
           <a:prstGeom prst="rect">
             <a:avLst/>
@@ -38411,7 +38411,7 @@
               <a:buNone/>
             </a:pPr>
             <a:r>
-              <a:rPr lang="en-US" sz="1800" b="1" i="0" u="none" strike="noStrike" cap="none">
+              <a:rPr lang="en-US" sz="1800" b="1" i="0" u="none" strike="noStrike" cap="none" dirty="0">
                 <a:solidFill>
                   <a:schemeClr val="dk1"/>
                 </a:solidFill>
@@ -38422,7 +38422,7 @@
               </a:rPr>
               <a:t>ATP</a:t>
             </a:r>
-            <a:endParaRPr sz="1400" b="0" i="0" u="none" strike="noStrike" cap="none">
+            <a:endParaRPr sz="1400" b="0" i="0" u="none" strike="noStrike" cap="none" dirty="0">
               <a:solidFill>
                 <a:srgbClr val="000000"/>
               </a:solidFill>
